--- a/CV-Git/EDGAR-MENDONCA-CV-Git-2024.pptx
+++ b/CV-Git/EDGAR-MENDONCA-CV-Git-2024.pptx
@@ -247,7 +247,7 @@
           <a:p>
             <a:fld id="{A33CBF59-6690-4533-944E-509CE91F061F}" type="datetimeFigureOut">
               <a:rPr lang="en-IN" smtClean="0"/>
-              <a:t>17-02-2024</a:t>
+              <a:t>12-03-2024</a:t>
             </a:fld>
             <a:endParaRPr lang="en-IN"/>
           </a:p>
@@ -417,7 +417,7 @@
           <a:p>
             <a:fld id="{A33CBF59-6690-4533-944E-509CE91F061F}" type="datetimeFigureOut">
               <a:rPr lang="en-IN" smtClean="0"/>
-              <a:t>17-02-2024</a:t>
+              <a:t>12-03-2024</a:t>
             </a:fld>
             <a:endParaRPr lang="en-IN"/>
           </a:p>
@@ -597,7 +597,7 @@
           <a:p>
             <a:fld id="{A33CBF59-6690-4533-944E-509CE91F061F}" type="datetimeFigureOut">
               <a:rPr lang="en-IN" smtClean="0"/>
-              <a:t>17-02-2024</a:t>
+              <a:t>12-03-2024</a:t>
             </a:fld>
             <a:endParaRPr lang="en-IN"/>
           </a:p>
@@ -767,7 +767,7 @@
           <a:p>
             <a:fld id="{A33CBF59-6690-4533-944E-509CE91F061F}" type="datetimeFigureOut">
               <a:rPr lang="en-IN" smtClean="0"/>
-              <a:t>17-02-2024</a:t>
+              <a:t>12-03-2024</a:t>
             </a:fld>
             <a:endParaRPr lang="en-IN"/>
           </a:p>
@@ -1011,7 +1011,7 @@
           <a:p>
             <a:fld id="{A33CBF59-6690-4533-944E-509CE91F061F}" type="datetimeFigureOut">
               <a:rPr lang="en-IN" smtClean="0"/>
-              <a:t>17-02-2024</a:t>
+              <a:t>12-03-2024</a:t>
             </a:fld>
             <a:endParaRPr lang="en-IN"/>
           </a:p>
@@ -1243,7 +1243,7 @@
           <a:p>
             <a:fld id="{A33CBF59-6690-4533-944E-509CE91F061F}" type="datetimeFigureOut">
               <a:rPr lang="en-IN" smtClean="0"/>
-              <a:t>17-02-2024</a:t>
+              <a:t>12-03-2024</a:t>
             </a:fld>
             <a:endParaRPr lang="en-IN"/>
           </a:p>
@@ -1610,7 +1610,7 @@
           <a:p>
             <a:fld id="{A33CBF59-6690-4533-944E-509CE91F061F}" type="datetimeFigureOut">
               <a:rPr lang="en-IN" smtClean="0"/>
-              <a:t>17-02-2024</a:t>
+              <a:t>12-03-2024</a:t>
             </a:fld>
             <a:endParaRPr lang="en-IN"/>
           </a:p>
@@ -1728,7 +1728,7 @@
           <a:p>
             <a:fld id="{A33CBF59-6690-4533-944E-509CE91F061F}" type="datetimeFigureOut">
               <a:rPr lang="en-IN" smtClean="0"/>
-              <a:t>17-02-2024</a:t>
+              <a:t>12-03-2024</a:t>
             </a:fld>
             <a:endParaRPr lang="en-IN"/>
           </a:p>
@@ -1823,7 +1823,7 @@
           <a:p>
             <a:fld id="{A33CBF59-6690-4533-944E-509CE91F061F}" type="datetimeFigureOut">
               <a:rPr lang="en-IN" smtClean="0"/>
-              <a:t>17-02-2024</a:t>
+              <a:t>12-03-2024</a:t>
             </a:fld>
             <a:endParaRPr lang="en-IN"/>
           </a:p>
@@ -2100,7 +2100,7 @@
           <a:p>
             <a:fld id="{A33CBF59-6690-4533-944E-509CE91F061F}" type="datetimeFigureOut">
               <a:rPr lang="en-IN" smtClean="0"/>
-              <a:t>17-02-2024</a:t>
+              <a:t>12-03-2024</a:t>
             </a:fld>
             <a:endParaRPr lang="en-IN"/>
           </a:p>
@@ -2357,7 +2357,7 @@
           <a:p>
             <a:fld id="{A33CBF59-6690-4533-944E-509CE91F061F}" type="datetimeFigureOut">
               <a:rPr lang="en-IN" smtClean="0"/>
-              <a:t>17-02-2024</a:t>
+              <a:t>12-03-2024</a:t>
             </a:fld>
             <a:endParaRPr lang="en-IN"/>
           </a:p>
@@ -2570,7 +2570,7 @@
           <a:p>
             <a:fld id="{A33CBF59-6690-4533-944E-509CE91F061F}" type="datetimeFigureOut">
               <a:rPr lang="en-IN" smtClean="0"/>
-              <a:t>17-02-2024</a:t>
+              <a:t>12-03-2024</a:t>
             </a:fld>
             <a:endParaRPr lang="en-IN"/>
           </a:p>
@@ -3042,7 +3042,7 @@
         </p:blipFill>
         <p:spPr>
           <a:xfrm>
-            <a:off x="324418" y="1167804"/>
+            <a:off x="284228" y="1149715"/>
             <a:ext cx="277234" cy="277234"/>
           </a:xfrm>
           <a:prstGeom prst="rect">
@@ -3064,8 +3064,8 @@
         </p:nvSpPr>
         <p:spPr>
           <a:xfrm>
-            <a:off x="550182" y="1166332"/>
-            <a:ext cx="2635080" cy="261610"/>
+            <a:off x="541046" y="1072794"/>
+            <a:ext cx="2345099" cy="261610"/>
           </a:xfrm>
           <a:prstGeom prst="rect">
             <a:avLst/>
@@ -3079,7 +3079,7 @@
           <a:lstStyle/>
           <a:p>
             <a:r>
-              <a:rPr lang="en-IN" sz="1100" dirty="0">
+              <a:rPr lang="en-IN" sz="1050" dirty="0">
                 <a:hlinkClick r:id="rId4">
                   <a:extLst>
                     <a:ext uri="{A12FA001-AC4F-418D-AE19-62706E023703}">
@@ -3090,7 +3090,7 @@
               </a:rPr>
               <a:t>sites.google.com/view/edgarmendonca</a:t>
             </a:r>
-            <a:endParaRPr lang="en-IN" sz="1100" dirty="0"/>
+            <a:endParaRPr lang="en-IN" sz="1050" dirty="0"/>
           </a:p>
         </p:txBody>
       </p:sp>
@@ -4963,6 +4963,44 @@
           </p:sp>
         </p:grpSp>
       </p:grpSp>
+      <p:sp>
+        <p:nvSpPr>
+          <p:cNvPr id="7" name="TextBox 6">
+            <a:extLst>
+              <a:ext uri="{FF2B5EF4-FFF2-40B4-BE49-F238E27FC236}">
+                <a16:creationId xmlns:a16="http://schemas.microsoft.com/office/drawing/2014/main" id="{D3E60CE9-4E9C-7208-7548-3310F08FFC5D}"/>
+              </a:ext>
+            </a:extLst>
+          </p:cNvPr>
+          <p:cNvSpPr txBox="1"/>
+          <p:nvPr/>
+        </p:nvSpPr>
+        <p:spPr>
+          <a:xfrm>
+            <a:off x="517052" y="1256081"/>
+            <a:ext cx="2554113" cy="246221"/>
+          </a:xfrm>
+          <a:prstGeom prst="rect">
+            <a:avLst/>
+          </a:prstGeom>
+          <a:noFill/>
+        </p:spPr>
+        <p:txBody>
+          <a:bodyPr wrap="square">
+            <a:spAutoFit/>
+          </a:bodyPr>
+          <a:lstStyle/>
+          <a:p>
+            <a:r>
+              <a:rPr lang="en-IN" sz="1000" dirty="0">
+                <a:hlinkClick r:id="rId13"/>
+              </a:rPr>
+              <a:t>edgar-mendonca.github.io/Edgar-Mendonca/</a:t>
+            </a:r>
+            <a:endParaRPr lang="en-IN" sz="1000" dirty="0"/>
+          </a:p>
+        </p:txBody>
+      </p:sp>
     </p:spTree>
     <p:extLst>
       <p:ext uri="{BB962C8B-B14F-4D97-AF65-F5344CB8AC3E}">

--- a/CV-Git/EDGAR-MENDONCA-CV-Git-2024.pptx
+++ b/CV-Git/EDGAR-MENDONCA-CV-Git-2024.pptx
@@ -247,7 +247,7 @@
           <a:p>
             <a:fld id="{A33CBF59-6690-4533-944E-509CE91F061F}" type="datetimeFigureOut">
               <a:rPr lang="en-IN" smtClean="0"/>
-              <a:t>11-05-2024</a:t>
+              <a:t>13-05-2024</a:t>
             </a:fld>
             <a:endParaRPr lang="en-IN"/>
           </a:p>
@@ -417,7 +417,7 @@
           <a:p>
             <a:fld id="{A33CBF59-6690-4533-944E-509CE91F061F}" type="datetimeFigureOut">
               <a:rPr lang="en-IN" smtClean="0"/>
-              <a:t>11-05-2024</a:t>
+              <a:t>13-05-2024</a:t>
             </a:fld>
             <a:endParaRPr lang="en-IN"/>
           </a:p>
@@ -597,7 +597,7 @@
           <a:p>
             <a:fld id="{A33CBF59-6690-4533-944E-509CE91F061F}" type="datetimeFigureOut">
               <a:rPr lang="en-IN" smtClean="0"/>
-              <a:t>11-05-2024</a:t>
+              <a:t>13-05-2024</a:t>
             </a:fld>
             <a:endParaRPr lang="en-IN"/>
           </a:p>
@@ -767,7 +767,7 @@
           <a:p>
             <a:fld id="{A33CBF59-6690-4533-944E-509CE91F061F}" type="datetimeFigureOut">
               <a:rPr lang="en-IN" smtClean="0"/>
-              <a:t>11-05-2024</a:t>
+              <a:t>13-05-2024</a:t>
             </a:fld>
             <a:endParaRPr lang="en-IN"/>
           </a:p>
@@ -1011,7 +1011,7 @@
           <a:p>
             <a:fld id="{A33CBF59-6690-4533-944E-509CE91F061F}" type="datetimeFigureOut">
               <a:rPr lang="en-IN" smtClean="0"/>
-              <a:t>11-05-2024</a:t>
+              <a:t>13-05-2024</a:t>
             </a:fld>
             <a:endParaRPr lang="en-IN"/>
           </a:p>
@@ -1243,7 +1243,7 @@
           <a:p>
             <a:fld id="{A33CBF59-6690-4533-944E-509CE91F061F}" type="datetimeFigureOut">
               <a:rPr lang="en-IN" smtClean="0"/>
-              <a:t>11-05-2024</a:t>
+              <a:t>13-05-2024</a:t>
             </a:fld>
             <a:endParaRPr lang="en-IN"/>
           </a:p>
@@ -1610,7 +1610,7 @@
           <a:p>
             <a:fld id="{A33CBF59-6690-4533-944E-509CE91F061F}" type="datetimeFigureOut">
               <a:rPr lang="en-IN" smtClean="0"/>
-              <a:t>11-05-2024</a:t>
+              <a:t>13-05-2024</a:t>
             </a:fld>
             <a:endParaRPr lang="en-IN"/>
           </a:p>
@@ -1728,7 +1728,7 @@
           <a:p>
             <a:fld id="{A33CBF59-6690-4533-944E-509CE91F061F}" type="datetimeFigureOut">
               <a:rPr lang="en-IN" smtClean="0"/>
-              <a:t>11-05-2024</a:t>
+              <a:t>13-05-2024</a:t>
             </a:fld>
             <a:endParaRPr lang="en-IN"/>
           </a:p>
@@ -1823,7 +1823,7 @@
           <a:p>
             <a:fld id="{A33CBF59-6690-4533-944E-509CE91F061F}" type="datetimeFigureOut">
               <a:rPr lang="en-IN" smtClean="0"/>
-              <a:t>11-05-2024</a:t>
+              <a:t>13-05-2024</a:t>
             </a:fld>
             <a:endParaRPr lang="en-IN"/>
           </a:p>
@@ -2100,7 +2100,7 @@
           <a:p>
             <a:fld id="{A33CBF59-6690-4533-944E-509CE91F061F}" type="datetimeFigureOut">
               <a:rPr lang="en-IN" smtClean="0"/>
-              <a:t>11-05-2024</a:t>
+              <a:t>13-05-2024</a:t>
             </a:fld>
             <a:endParaRPr lang="en-IN"/>
           </a:p>
@@ -2357,7 +2357,7 @@
           <a:p>
             <a:fld id="{A33CBF59-6690-4533-944E-509CE91F061F}" type="datetimeFigureOut">
               <a:rPr lang="en-IN" smtClean="0"/>
-              <a:t>11-05-2024</a:t>
+              <a:t>13-05-2024</a:t>
             </a:fld>
             <a:endParaRPr lang="en-IN"/>
           </a:p>
@@ -2570,7 +2570,7 @@
           <a:p>
             <a:fld id="{A33CBF59-6690-4533-944E-509CE91F061F}" type="datetimeFigureOut">
               <a:rPr lang="en-IN" smtClean="0"/>
-              <a:t>11-05-2024</a:t>
+              <a:t>13-05-2024</a:t>
             </a:fld>
             <a:endParaRPr lang="en-IN"/>
           </a:p>
@@ -4777,10 +4777,10 @@
       </p:sp>
       <p:grpSp>
         <p:nvGrpSpPr>
-          <p:cNvPr id="71" name="Group 70">
+          <p:cNvPr id="2" name="Group 1">
             <a:extLst>
               <a:ext uri="{FF2B5EF4-FFF2-40B4-BE49-F238E27FC236}">
-                <a16:creationId xmlns:a16="http://schemas.microsoft.com/office/drawing/2014/main" id="{DD66CDAB-68AB-2A1E-EF98-DD340760CC7B}"/>
+                <a16:creationId xmlns:a16="http://schemas.microsoft.com/office/drawing/2014/main" id="{54243979-32F1-03D5-9D55-2AA21300B733}"/>
               </a:ext>
             </a:extLst>
           </p:cNvPr>
@@ -4789,224 +4789,12 @@
         </p:nvGrpSpPr>
         <p:grpSpPr>
           <a:xfrm>
-            <a:off x="4080997" y="427744"/>
-            <a:ext cx="2269315" cy="1357573"/>
-            <a:chOff x="1285641" y="4458224"/>
-            <a:chExt cx="2269315" cy="1357573"/>
+            <a:off x="4117993" y="501118"/>
+            <a:ext cx="2269315" cy="624367"/>
+            <a:chOff x="4080997" y="1160950"/>
+            <a:chExt cx="2269315" cy="624367"/>
           </a:xfrm>
         </p:grpSpPr>
-        <p:grpSp>
-          <p:nvGrpSpPr>
-            <p:cNvPr id="72" name="Group 71">
-              <a:extLst>
-                <a:ext uri="{FF2B5EF4-FFF2-40B4-BE49-F238E27FC236}">
-                  <a16:creationId xmlns:a16="http://schemas.microsoft.com/office/drawing/2014/main" id="{88C39BEE-140F-7782-6AA4-C5E092624644}"/>
-                </a:ext>
-              </a:extLst>
-            </p:cNvPr>
-            <p:cNvGrpSpPr/>
-            <p:nvPr/>
-          </p:nvGrpSpPr>
-          <p:grpSpPr>
-            <a:xfrm>
-              <a:off x="1285641" y="4820980"/>
-              <a:ext cx="1379669" cy="261610"/>
-              <a:chOff x="1120749" y="5292577"/>
-              <a:chExt cx="1379669" cy="261610"/>
-            </a:xfrm>
-          </p:grpSpPr>
-          <p:pic>
-            <p:nvPicPr>
-              <p:cNvPr id="89" name="Graphic 88">
-                <a:extLst>
-                  <a:ext uri="{FF2B5EF4-FFF2-40B4-BE49-F238E27FC236}">
-                    <a16:creationId xmlns:a16="http://schemas.microsoft.com/office/drawing/2014/main" id="{C4B000C2-155D-3962-6FC0-694B9C54351D}"/>
-                  </a:ext>
-                </a:extLst>
-              </p:cNvPr>
-              <p:cNvPicPr>
-                <a:picLocks noChangeAspect="1"/>
-              </p:cNvPicPr>
-              <p:nvPr/>
-            </p:nvPicPr>
-            <p:blipFill>
-              <a:blip r:embed="rId8">
-                <a:extLst>
-                  <a:ext uri="{28A0092B-C50C-407E-A947-70E740481C1C}">
-                    <a14:useLocalDpi xmlns:a14="http://schemas.microsoft.com/office/drawing/2010/main" val="0"/>
-                  </a:ext>
-                  <a:ext uri="{96DAC541-7B7A-43D3-8B79-37D633B846F1}">
-                    <asvg:svgBlip xmlns:asvg="http://schemas.microsoft.com/office/drawing/2016/SVG/main" r:embed="rId9"/>
-                  </a:ext>
-                </a:extLst>
-              </a:blip>
-              <a:stretch>
-                <a:fillRect/>
-              </a:stretch>
-            </p:blipFill>
-            <p:spPr>
-              <a:xfrm>
-                <a:off x="1120749" y="5309082"/>
-                <a:ext cx="228600" cy="228600"/>
-              </a:xfrm>
-              <a:prstGeom prst="rect">
-                <a:avLst/>
-              </a:prstGeom>
-            </p:spPr>
-          </p:pic>
-          <p:sp>
-            <p:nvSpPr>
-              <p:cNvPr id="92" name="TextBox 91">
-                <a:extLst>
-                  <a:ext uri="{FF2B5EF4-FFF2-40B4-BE49-F238E27FC236}">
-                    <a16:creationId xmlns:a16="http://schemas.microsoft.com/office/drawing/2014/main" id="{06BF2FB3-E85E-B51D-B387-7C6100479CBD}"/>
-                  </a:ext>
-                </a:extLst>
-              </p:cNvPr>
-              <p:cNvSpPr txBox="1"/>
-              <p:nvPr/>
-            </p:nvSpPr>
-            <p:spPr>
-              <a:xfrm>
-                <a:off x="1349349" y="5292577"/>
-                <a:ext cx="1151069" cy="261610"/>
-              </a:xfrm>
-              <a:prstGeom prst="rect">
-                <a:avLst/>
-              </a:prstGeom>
-              <a:noFill/>
-            </p:spPr>
-            <p:txBody>
-              <a:bodyPr wrap="square">
-                <a:spAutoFit/>
-              </a:bodyPr>
-              <a:lstStyle/>
-              <a:p>
-                <a:pPr algn="ctr" fontAlgn="t"/>
-                <a:r>
-                  <a:rPr lang="en-IN" sz="1050" dirty="0">
-                    <a:effectLst/>
-                  </a:rPr>
-                  <a:t>+91 9986787801</a:t>
-                </a:r>
-              </a:p>
-            </p:txBody>
-          </p:sp>
-        </p:grpSp>
-        <p:grpSp>
-          <p:nvGrpSpPr>
-            <p:cNvPr id="73" name="Group 72">
-              <a:extLst>
-                <a:ext uri="{FF2B5EF4-FFF2-40B4-BE49-F238E27FC236}">
-                  <a16:creationId xmlns:a16="http://schemas.microsoft.com/office/drawing/2014/main" id="{D2B773F6-D952-2879-9087-D10F604E9ED4}"/>
-                </a:ext>
-              </a:extLst>
-            </p:cNvPr>
-            <p:cNvGrpSpPr/>
-            <p:nvPr/>
-          </p:nvGrpSpPr>
-          <p:grpSpPr>
-            <a:xfrm>
-              <a:off x="1285641" y="4458224"/>
-              <a:ext cx="2128479" cy="253916"/>
-              <a:chOff x="1285641" y="4458224"/>
-              <a:chExt cx="2128479" cy="253916"/>
-            </a:xfrm>
-          </p:grpSpPr>
-          <p:pic>
-            <p:nvPicPr>
-              <p:cNvPr id="87" name="Graphic 86">
-                <a:extLst>
-                  <a:ext uri="{FF2B5EF4-FFF2-40B4-BE49-F238E27FC236}">
-                    <a16:creationId xmlns:a16="http://schemas.microsoft.com/office/drawing/2014/main" id="{64F1B3D7-ABB5-F303-09FB-BF872CBC3570}"/>
-                  </a:ext>
-                </a:extLst>
-              </p:cNvPr>
-              <p:cNvPicPr>
-                <a:picLocks noChangeAspect="1"/>
-              </p:cNvPicPr>
-              <p:nvPr/>
-            </p:nvPicPr>
-            <p:blipFill>
-              <a:blip r:embed="rId10">
-                <a:extLst>
-                  <a:ext uri="{28A0092B-C50C-407E-A947-70E740481C1C}">
-                    <a14:useLocalDpi xmlns:a14="http://schemas.microsoft.com/office/drawing/2010/main" val="0"/>
-                  </a:ext>
-                  <a:ext uri="{96DAC541-7B7A-43D3-8B79-37D633B846F1}">
-                    <asvg:svgBlip xmlns:asvg="http://schemas.microsoft.com/office/drawing/2016/SVG/main" r:embed="rId11"/>
-                  </a:ext>
-                </a:extLst>
-              </a:blip>
-              <a:stretch>
-                <a:fillRect/>
-              </a:stretch>
-            </p:blipFill>
-            <p:spPr>
-              <a:xfrm>
-                <a:off x="1285641" y="4466189"/>
-                <a:ext cx="228600" cy="237987"/>
-              </a:xfrm>
-              <a:prstGeom prst="rect">
-                <a:avLst/>
-              </a:prstGeom>
-            </p:spPr>
-          </p:pic>
-          <p:sp>
-            <p:nvSpPr>
-              <p:cNvPr id="88" name="TextBox 87">
-                <a:extLst>
-                  <a:ext uri="{FF2B5EF4-FFF2-40B4-BE49-F238E27FC236}">
-                    <a16:creationId xmlns:a16="http://schemas.microsoft.com/office/drawing/2014/main" id="{1218B9A4-43C9-61CF-2B50-62CE81DAFD76}"/>
-                  </a:ext>
-                </a:extLst>
-              </p:cNvPr>
-              <p:cNvSpPr txBox="1"/>
-              <p:nvPr/>
-            </p:nvSpPr>
-            <p:spPr>
-              <a:xfrm>
-                <a:off x="1514241" y="4458224"/>
-                <a:ext cx="1899879" cy="253916"/>
-              </a:xfrm>
-              <a:prstGeom prst="rect">
-                <a:avLst/>
-              </a:prstGeom>
-              <a:noFill/>
-            </p:spPr>
-            <p:txBody>
-              <a:bodyPr wrap="none" rtlCol="0">
-                <a:spAutoFit/>
-              </a:bodyPr>
-              <a:lstStyle/>
-              <a:p>
-                <a:pPr algn="ctr"/>
-                <a:r>
-                  <a:rPr lang="en-IN" sz="1050" dirty="0">
-                    <a:solidFill>
-                      <a:schemeClr val="tx1"/>
-                    </a:solidFill>
-                    <a:effectLst/>
-                    <a:hlinkClick r:id="rId12">
-                      <a:extLst>
-                        <a:ext uri="{A12FA001-AC4F-418D-AE19-62706E023703}">
-                          <ahyp:hlinkClr xmlns:ahyp="http://schemas.microsoft.com/office/drawing/2018/hyperlinkcolor" val="tx"/>
-                        </a:ext>
-                      </a:extLst>
-                    </a:hlinkClick>
-                  </a:rPr>
-                  <a:t>edgarmendonca96@gmail.com</a:t>
-                </a:r>
-                <a:endParaRPr lang="en-IN" sz="1050" dirty="0">
-                  <a:solidFill>
-                    <a:schemeClr val="tx1"/>
-                  </a:solidFill>
-                  <a:effectLst/>
-                </a:endParaRPr>
-              </a:p>
-            </p:txBody>
-          </p:sp>
-        </p:grpSp>
         <p:grpSp>
           <p:nvGrpSpPr>
             <p:cNvPr id="76" name="Group 75">
@@ -5021,7 +4809,7 @@
           </p:nvGrpSpPr>
           <p:grpSpPr>
             <a:xfrm>
-              <a:off x="1285641" y="5554187"/>
+              <a:off x="4080997" y="1523707"/>
               <a:ext cx="2269315" cy="261610"/>
               <a:chOff x="1298992" y="5367964"/>
               <a:chExt cx="2269315" cy="261610"/>
@@ -5059,7 +4847,7 @@
                 <a:r>
                   <a:rPr lang="en-IN" sz="1050" dirty="0">
                     <a:effectLst/>
-                    <a:hlinkClick r:id="rId13">
+                    <a:hlinkClick r:id="rId8">
                       <a:extLst>
                         <a:ext uri="{A12FA001-AC4F-418D-AE19-62706E023703}">
                           <ahyp:hlinkClr xmlns:ahyp="http://schemas.microsoft.com/office/drawing/2018/hyperlinkcolor" val="tx"/>
@@ -5090,13 +4878,13 @@
               <p:nvPr/>
             </p:nvPicPr>
             <p:blipFill>
-              <a:blip r:embed="rId14">
+              <a:blip r:embed="rId9">
                 <a:extLst>
                   <a:ext uri="{28A0092B-C50C-407E-A947-70E740481C1C}">
                     <a14:useLocalDpi xmlns:a14="http://schemas.microsoft.com/office/drawing/2010/main" val="0"/>
                   </a:ext>
                   <a:ext uri="{96DAC541-7B7A-43D3-8B79-37D633B846F1}">
-                    <asvg:svgBlip xmlns:asvg="http://schemas.microsoft.com/office/drawing/2016/SVG/main" r:embed="rId15"/>
+                    <asvg:svgBlip xmlns:asvg="http://schemas.microsoft.com/office/drawing/2016/SVG/main" r:embed="rId10"/>
                   </a:ext>
                 </a:extLst>
               </a:blip>
@@ -5129,7 +4917,7 @@
           </p:nvGrpSpPr>
           <p:grpSpPr>
             <a:xfrm>
-              <a:off x="1285641" y="5191430"/>
+              <a:off x="4080997" y="1160950"/>
               <a:ext cx="2225059" cy="253916"/>
               <a:chOff x="1298992" y="5057703"/>
               <a:chExt cx="2225059" cy="253916"/>
@@ -5165,7 +4953,7 @@
               <a:p>
                 <a:r>
                   <a:rPr lang="en-IN" sz="1050" dirty="0">
-                    <a:hlinkClick r:id="rId16">
+                    <a:hlinkClick r:id="rId11">
                       <a:extLst>
                         <a:ext uri="{A12FA001-AC4F-418D-AE19-62706E023703}">
                           <ahyp:hlinkClr xmlns:ahyp="http://schemas.microsoft.com/office/drawing/2018/hyperlinkcolor" val="tx"/>
@@ -5194,13 +4982,13 @@
               <p:nvPr/>
             </p:nvPicPr>
             <p:blipFill>
-              <a:blip r:embed="rId17">
+              <a:blip r:embed="rId12">
                 <a:extLst>
                   <a:ext uri="{28A0092B-C50C-407E-A947-70E740481C1C}">
                     <a14:useLocalDpi xmlns:a14="http://schemas.microsoft.com/office/drawing/2010/main" val="0"/>
                   </a:ext>
                   <a:ext uri="{96DAC541-7B7A-43D3-8B79-37D633B846F1}">
-                    <asvg:svgBlip xmlns:asvg="http://schemas.microsoft.com/office/drawing/2016/SVG/main" r:embed="rId18"/>
+                    <asvg:svgBlip xmlns:asvg="http://schemas.microsoft.com/office/drawing/2016/SVG/main" r:embed="rId13"/>
                   </a:ext>
                 </a:extLst>
               </a:blip>

--- a/CV-Git/EDGAR-MENDONCA-CV-Git-2024.pptx
+++ b/CV-Git/EDGAR-MENDONCA-CV-Git-2024.pptx
@@ -247,7 +247,7 @@
           <a:p>
             <a:fld id="{A33CBF59-6690-4533-944E-509CE91F061F}" type="datetimeFigureOut">
               <a:rPr lang="en-IN" smtClean="0"/>
-              <a:t>13-05-2024</a:t>
+              <a:t>16-05-2024</a:t>
             </a:fld>
             <a:endParaRPr lang="en-IN"/>
           </a:p>
@@ -417,7 +417,7 @@
           <a:p>
             <a:fld id="{A33CBF59-6690-4533-944E-509CE91F061F}" type="datetimeFigureOut">
               <a:rPr lang="en-IN" smtClean="0"/>
-              <a:t>13-05-2024</a:t>
+              <a:t>16-05-2024</a:t>
             </a:fld>
             <a:endParaRPr lang="en-IN"/>
           </a:p>
@@ -597,7 +597,7 @@
           <a:p>
             <a:fld id="{A33CBF59-6690-4533-944E-509CE91F061F}" type="datetimeFigureOut">
               <a:rPr lang="en-IN" smtClean="0"/>
-              <a:t>13-05-2024</a:t>
+              <a:t>16-05-2024</a:t>
             </a:fld>
             <a:endParaRPr lang="en-IN"/>
           </a:p>
@@ -767,7 +767,7 @@
           <a:p>
             <a:fld id="{A33CBF59-6690-4533-944E-509CE91F061F}" type="datetimeFigureOut">
               <a:rPr lang="en-IN" smtClean="0"/>
-              <a:t>13-05-2024</a:t>
+              <a:t>16-05-2024</a:t>
             </a:fld>
             <a:endParaRPr lang="en-IN"/>
           </a:p>
@@ -1011,7 +1011,7 @@
           <a:p>
             <a:fld id="{A33CBF59-6690-4533-944E-509CE91F061F}" type="datetimeFigureOut">
               <a:rPr lang="en-IN" smtClean="0"/>
-              <a:t>13-05-2024</a:t>
+              <a:t>16-05-2024</a:t>
             </a:fld>
             <a:endParaRPr lang="en-IN"/>
           </a:p>
@@ -1243,7 +1243,7 @@
           <a:p>
             <a:fld id="{A33CBF59-6690-4533-944E-509CE91F061F}" type="datetimeFigureOut">
               <a:rPr lang="en-IN" smtClean="0"/>
-              <a:t>13-05-2024</a:t>
+              <a:t>16-05-2024</a:t>
             </a:fld>
             <a:endParaRPr lang="en-IN"/>
           </a:p>
@@ -1610,7 +1610,7 @@
           <a:p>
             <a:fld id="{A33CBF59-6690-4533-944E-509CE91F061F}" type="datetimeFigureOut">
               <a:rPr lang="en-IN" smtClean="0"/>
-              <a:t>13-05-2024</a:t>
+              <a:t>16-05-2024</a:t>
             </a:fld>
             <a:endParaRPr lang="en-IN"/>
           </a:p>
@@ -1728,7 +1728,7 @@
           <a:p>
             <a:fld id="{A33CBF59-6690-4533-944E-509CE91F061F}" type="datetimeFigureOut">
               <a:rPr lang="en-IN" smtClean="0"/>
-              <a:t>13-05-2024</a:t>
+              <a:t>16-05-2024</a:t>
             </a:fld>
             <a:endParaRPr lang="en-IN"/>
           </a:p>
@@ -1823,7 +1823,7 @@
           <a:p>
             <a:fld id="{A33CBF59-6690-4533-944E-509CE91F061F}" type="datetimeFigureOut">
               <a:rPr lang="en-IN" smtClean="0"/>
-              <a:t>13-05-2024</a:t>
+              <a:t>16-05-2024</a:t>
             </a:fld>
             <a:endParaRPr lang="en-IN"/>
           </a:p>
@@ -2100,7 +2100,7 @@
           <a:p>
             <a:fld id="{A33CBF59-6690-4533-944E-509CE91F061F}" type="datetimeFigureOut">
               <a:rPr lang="en-IN" smtClean="0"/>
-              <a:t>13-05-2024</a:t>
+              <a:t>16-05-2024</a:t>
             </a:fld>
             <a:endParaRPr lang="en-IN"/>
           </a:p>
@@ -2357,7 +2357,7 @@
           <a:p>
             <a:fld id="{A33CBF59-6690-4533-944E-509CE91F061F}" type="datetimeFigureOut">
               <a:rPr lang="en-IN" smtClean="0"/>
-              <a:t>13-05-2024</a:t>
+              <a:t>16-05-2024</a:t>
             </a:fld>
             <a:endParaRPr lang="en-IN"/>
           </a:p>
@@ -2570,7 +2570,7 @@
           <a:p>
             <a:fld id="{A33CBF59-6690-4533-944E-509CE91F061F}" type="datetimeFigureOut">
               <a:rPr lang="en-IN" smtClean="0"/>
-              <a:t>13-05-2024</a:t>
+              <a:t>16-05-2024</a:t>
             </a:fld>
             <a:endParaRPr lang="en-IN"/>
           </a:p>
@@ -4780,7 +4780,7 @@
           <p:cNvPr id="2" name="Group 1">
             <a:extLst>
               <a:ext uri="{FF2B5EF4-FFF2-40B4-BE49-F238E27FC236}">
-                <a16:creationId xmlns:a16="http://schemas.microsoft.com/office/drawing/2014/main" id="{54243979-32F1-03D5-9D55-2AA21300B733}"/>
+                <a16:creationId xmlns:a16="http://schemas.microsoft.com/office/drawing/2014/main" id="{B1858FD6-B8EF-B76C-2717-84F60AC0522C}"/>
               </a:ext>
             </a:extLst>
           </p:cNvPr>
@@ -4789,12 +4789,126 @@
         </p:nvGrpSpPr>
         <p:grpSpPr>
           <a:xfrm>
-            <a:off x="4117993" y="501118"/>
-            <a:ext cx="2269315" cy="624367"/>
-            <a:chOff x="4080997" y="1160950"/>
-            <a:chExt cx="2269315" cy="624367"/>
+            <a:off x="4066021" y="427744"/>
+            <a:ext cx="2269315" cy="940482"/>
+            <a:chOff x="4066021" y="427744"/>
+            <a:chExt cx="2269315" cy="940482"/>
           </a:xfrm>
         </p:grpSpPr>
+        <p:grpSp>
+          <p:nvGrpSpPr>
+            <p:cNvPr id="73" name="Group 72">
+              <a:extLst>
+                <a:ext uri="{FF2B5EF4-FFF2-40B4-BE49-F238E27FC236}">
+                  <a16:creationId xmlns:a16="http://schemas.microsoft.com/office/drawing/2014/main" id="{D2B773F6-D952-2879-9087-D10F604E9ED4}"/>
+                </a:ext>
+              </a:extLst>
+            </p:cNvPr>
+            <p:cNvGrpSpPr/>
+            <p:nvPr/>
+          </p:nvGrpSpPr>
+          <p:grpSpPr>
+            <a:xfrm>
+              <a:off x="4066021" y="427744"/>
+              <a:ext cx="2128479" cy="253916"/>
+              <a:chOff x="1285641" y="4458224"/>
+              <a:chExt cx="2128479" cy="253916"/>
+            </a:xfrm>
+          </p:grpSpPr>
+          <p:pic>
+            <p:nvPicPr>
+              <p:cNvPr id="87" name="Graphic 86">
+                <a:extLst>
+                  <a:ext uri="{FF2B5EF4-FFF2-40B4-BE49-F238E27FC236}">
+                    <a16:creationId xmlns:a16="http://schemas.microsoft.com/office/drawing/2014/main" id="{64F1B3D7-ABB5-F303-09FB-BF872CBC3570}"/>
+                  </a:ext>
+                </a:extLst>
+              </p:cNvPr>
+              <p:cNvPicPr>
+                <a:picLocks noChangeAspect="1"/>
+              </p:cNvPicPr>
+              <p:nvPr/>
+            </p:nvPicPr>
+            <p:blipFill>
+              <a:blip r:embed="rId8">
+                <a:extLst>
+                  <a:ext uri="{28A0092B-C50C-407E-A947-70E740481C1C}">
+                    <a14:useLocalDpi xmlns:a14="http://schemas.microsoft.com/office/drawing/2010/main" val="0"/>
+                  </a:ext>
+                  <a:ext uri="{96DAC541-7B7A-43D3-8B79-37D633B846F1}">
+                    <asvg:svgBlip xmlns:asvg="http://schemas.microsoft.com/office/drawing/2016/SVG/main" r:embed="rId9"/>
+                  </a:ext>
+                </a:extLst>
+              </a:blip>
+              <a:stretch>
+                <a:fillRect/>
+              </a:stretch>
+            </p:blipFill>
+            <p:spPr>
+              <a:xfrm>
+                <a:off x="1285641" y="4466189"/>
+                <a:ext cx="228600" cy="237987"/>
+              </a:xfrm>
+              <a:prstGeom prst="rect">
+                <a:avLst/>
+              </a:prstGeom>
+            </p:spPr>
+          </p:pic>
+          <p:sp>
+            <p:nvSpPr>
+              <p:cNvPr id="88" name="TextBox 87">
+                <a:extLst>
+                  <a:ext uri="{FF2B5EF4-FFF2-40B4-BE49-F238E27FC236}">
+                    <a16:creationId xmlns:a16="http://schemas.microsoft.com/office/drawing/2014/main" id="{1218B9A4-43C9-61CF-2B50-62CE81DAFD76}"/>
+                  </a:ext>
+                </a:extLst>
+              </p:cNvPr>
+              <p:cNvSpPr txBox="1"/>
+              <p:nvPr/>
+            </p:nvSpPr>
+            <p:spPr>
+              <a:xfrm>
+                <a:off x="1514241" y="4458224"/>
+                <a:ext cx="1899879" cy="253916"/>
+              </a:xfrm>
+              <a:prstGeom prst="rect">
+                <a:avLst/>
+              </a:prstGeom>
+              <a:noFill/>
+            </p:spPr>
+            <p:txBody>
+              <a:bodyPr wrap="none" rtlCol="0">
+                <a:spAutoFit/>
+              </a:bodyPr>
+              <a:lstStyle/>
+              <a:p>
+                <a:pPr algn="ctr"/>
+                <a:r>
+                  <a:rPr lang="en-IN" sz="1050" dirty="0">
+                    <a:solidFill>
+                      <a:schemeClr val="tx1"/>
+                    </a:solidFill>
+                    <a:effectLst/>
+                    <a:hlinkClick r:id="rId10">
+                      <a:extLst>
+                        <a:ext uri="{A12FA001-AC4F-418D-AE19-62706E023703}">
+                          <ahyp:hlinkClr xmlns:ahyp="http://schemas.microsoft.com/office/drawing/2018/hyperlinkcolor" val="tx"/>
+                        </a:ext>
+                      </a:extLst>
+                    </a:hlinkClick>
+                  </a:rPr>
+                  <a:t>edgarmendonca96@gmail.com</a:t>
+                </a:r>
+                <a:endParaRPr lang="en-IN" sz="1050" dirty="0">
+                  <a:solidFill>
+                    <a:schemeClr val="tx1"/>
+                  </a:solidFill>
+                  <a:effectLst/>
+                </a:endParaRPr>
+              </a:p>
+            </p:txBody>
+          </p:sp>
+        </p:grpSp>
         <p:grpSp>
           <p:nvGrpSpPr>
             <p:cNvPr id="76" name="Group 75">
@@ -4809,7 +4923,7 @@
           </p:nvGrpSpPr>
           <p:grpSpPr>
             <a:xfrm>
-              <a:off x="4080997" y="1523707"/>
+              <a:off x="4066021" y="1106616"/>
               <a:ext cx="2269315" cy="261610"/>
               <a:chOff x="1298992" y="5367964"/>
               <a:chExt cx="2269315" cy="261610"/>
@@ -4847,7 +4961,7 @@
                 <a:r>
                   <a:rPr lang="en-IN" sz="1050" dirty="0">
                     <a:effectLst/>
-                    <a:hlinkClick r:id="rId8">
+                    <a:hlinkClick r:id="rId11">
                       <a:extLst>
                         <a:ext uri="{A12FA001-AC4F-418D-AE19-62706E023703}">
                           <ahyp:hlinkClr xmlns:ahyp="http://schemas.microsoft.com/office/drawing/2018/hyperlinkcolor" val="tx"/>
@@ -4878,13 +4992,13 @@
               <p:nvPr/>
             </p:nvPicPr>
             <p:blipFill>
-              <a:blip r:embed="rId9">
+              <a:blip r:embed="rId12">
                 <a:extLst>
                   <a:ext uri="{28A0092B-C50C-407E-A947-70E740481C1C}">
                     <a14:useLocalDpi xmlns:a14="http://schemas.microsoft.com/office/drawing/2010/main" val="0"/>
                   </a:ext>
                   <a:ext uri="{96DAC541-7B7A-43D3-8B79-37D633B846F1}">
-                    <asvg:svgBlip xmlns:asvg="http://schemas.microsoft.com/office/drawing/2016/SVG/main" r:embed="rId10"/>
+                    <asvg:svgBlip xmlns:asvg="http://schemas.microsoft.com/office/drawing/2016/SVG/main" r:embed="rId13"/>
                   </a:ext>
                 </a:extLst>
               </a:blip>
@@ -4917,7 +5031,7 @@
           </p:nvGrpSpPr>
           <p:grpSpPr>
             <a:xfrm>
-              <a:off x="4080997" y="1160950"/>
+              <a:off x="4066021" y="767180"/>
               <a:ext cx="2225059" cy="253916"/>
               <a:chOff x="1298992" y="5057703"/>
               <a:chExt cx="2225059" cy="253916"/>
@@ -4953,7 +5067,7 @@
               <a:p>
                 <a:r>
                   <a:rPr lang="en-IN" sz="1050" dirty="0">
-                    <a:hlinkClick r:id="rId11">
+                    <a:hlinkClick r:id="rId14">
                       <a:extLst>
                         <a:ext uri="{A12FA001-AC4F-418D-AE19-62706E023703}">
                           <ahyp:hlinkClr xmlns:ahyp="http://schemas.microsoft.com/office/drawing/2018/hyperlinkcolor" val="tx"/>
@@ -4982,13 +5096,13 @@
               <p:nvPr/>
             </p:nvPicPr>
             <p:blipFill>
-              <a:blip r:embed="rId12">
+              <a:blip r:embed="rId15">
                 <a:extLst>
                   <a:ext uri="{28A0092B-C50C-407E-A947-70E740481C1C}">
                     <a14:useLocalDpi xmlns:a14="http://schemas.microsoft.com/office/drawing/2010/main" val="0"/>
                   </a:ext>
                   <a:ext uri="{96DAC541-7B7A-43D3-8B79-37D633B846F1}">
-                    <asvg:svgBlip xmlns:asvg="http://schemas.microsoft.com/office/drawing/2016/SVG/main" r:embed="rId13"/>
+                    <asvg:svgBlip xmlns:asvg="http://schemas.microsoft.com/office/drawing/2016/SVG/main" r:embed="rId16"/>
                   </a:ext>
                 </a:extLst>
               </a:blip>

--- a/CV-Git/EDGAR-MENDONCA-CV-Git-2024.pptx
+++ b/CV-Git/EDGAR-MENDONCA-CV-Git-2024.pptx
@@ -247,7 +247,7 @@
           <a:p>
             <a:fld id="{A33CBF59-6690-4533-944E-509CE91F061F}" type="datetimeFigureOut">
               <a:rPr lang="en-IN" smtClean="0"/>
-              <a:t>16-05-2024</a:t>
+              <a:t>17-05-2024</a:t>
             </a:fld>
             <a:endParaRPr lang="en-IN"/>
           </a:p>
@@ -417,7 +417,7 @@
           <a:p>
             <a:fld id="{A33CBF59-6690-4533-944E-509CE91F061F}" type="datetimeFigureOut">
               <a:rPr lang="en-IN" smtClean="0"/>
-              <a:t>16-05-2024</a:t>
+              <a:t>17-05-2024</a:t>
             </a:fld>
             <a:endParaRPr lang="en-IN"/>
           </a:p>
@@ -597,7 +597,7 @@
           <a:p>
             <a:fld id="{A33CBF59-6690-4533-944E-509CE91F061F}" type="datetimeFigureOut">
               <a:rPr lang="en-IN" smtClean="0"/>
-              <a:t>16-05-2024</a:t>
+              <a:t>17-05-2024</a:t>
             </a:fld>
             <a:endParaRPr lang="en-IN"/>
           </a:p>
@@ -767,7 +767,7 @@
           <a:p>
             <a:fld id="{A33CBF59-6690-4533-944E-509CE91F061F}" type="datetimeFigureOut">
               <a:rPr lang="en-IN" smtClean="0"/>
-              <a:t>16-05-2024</a:t>
+              <a:t>17-05-2024</a:t>
             </a:fld>
             <a:endParaRPr lang="en-IN"/>
           </a:p>
@@ -1011,7 +1011,7 @@
           <a:p>
             <a:fld id="{A33CBF59-6690-4533-944E-509CE91F061F}" type="datetimeFigureOut">
               <a:rPr lang="en-IN" smtClean="0"/>
-              <a:t>16-05-2024</a:t>
+              <a:t>17-05-2024</a:t>
             </a:fld>
             <a:endParaRPr lang="en-IN"/>
           </a:p>
@@ -1243,7 +1243,7 @@
           <a:p>
             <a:fld id="{A33CBF59-6690-4533-944E-509CE91F061F}" type="datetimeFigureOut">
               <a:rPr lang="en-IN" smtClean="0"/>
-              <a:t>16-05-2024</a:t>
+              <a:t>17-05-2024</a:t>
             </a:fld>
             <a:endParaRPr lang="en-IN"/>
           </a:p>
@@ -1610,7 +1610,7 @@
           <a:p>
             <a:fld id="{A33CBF59-6690-4533-944E-509CE91F061F}" type="datetimeFigureOut">
               <a:rPr lang="en-IN" smtClean="0"/>
-              <a:t>16-05-2024</a:t>
+              <a:t>17-05-2024</a:t>
             </a:fld>
             <a:endParaRPr lang="en-IN"/>
           </a:p>
@@ -1728,7 +1728,7 @@
           <a:p>
             <a:fld id="{A33CBF59-6690-4533-944E-509CE91F061F}" type="datetimeFigureOut">
               <a:rPr lang="en-IN" smtClean="0"/>
-              <a:t>16-05-2024</a:t>
+              <a:t>17-05-2024</a:t>
             </a:fld>
             <a:endParaRPr lang="en-IN"/>
           </a:p>
@@ -1823,7 +1823,7 @@
           <a:p>
             <a:fld id="{A33CBF59-6690-4533-944E-509CE91F061F}" type="datetimeFigureOut">
               <a:rPr lang="en-IN" smtClean="0"/>
-              <a:t>16-05-2024</a:t>
+              <a:t>17-05-2024</a:t>
             </a:fld>
             <a:endParaRPr lang="en-IN"/>
           </a:p>
@@ -2100,7 +2100,7 @@
           <a:p>
             <a:fld id="{A33CBF59-6690-4533-944E-509CE91F061F}" type="datetimeFigureOut">
               <a:rPr lang="en-IN" smtClean="0"/>
-              <a:t>16-05-2024</a:t>
+              <a:t>17-05-2024</a:t>
             </a:fld>
             <a:endParaRPr lang="en-IN"/>
           </a:p>
@@ -2357,7 +2357,7 @@
           <a:p>
             <a:fld id="{A33CBF59-6690-4533-944E-509CE91F061F}" type="datetimeFigureOut">
               <a:rPr lang="en-IN" smtClean="0"/>
-              <a:t>16-05-2024</a:t>
+              <a:t>17-05-2024</a:t>
             </a:fld>
             <a:endParaRPr lang="en-IN"/>
           </a:p>
@@ -2570,7 +2570,7 @@
           <a:p>
             <a:fld id="{A33CBF59-6690-4533-944E-509CE91F061F}" type="datetimeFigureOut">
               <a:rPr lang="en-IN" smtClean="0"/>
-              <a:t>16-05-2024</a:t>
+              <a:t>17-05-2024</a:t>
             </a:fld>
             <a:endParaRPr lang="en-IN"/>
           </a:p>
@@ -6943,7 +6943,7 @@
         <p:spPr>
           <a:xfrm>
             <a:off x="267681" y="6191305"/>
-            <a:ext cx="5485351" cy="307777"/>
+            <a:ext cx="6127796" cy="523220"/>
           </a:xfrm>
           <a:prstGeom prst="rect">
             <a:avLst/>
@@ -6958,7 +6958,7 @@
           <a:p>
             <a:r>
               <a:rPr lang="en-US" sz="1400" b="1" dirty="0"/>
-              <a:t>Split Hopkinson Pressure Bar - Documentation</a:t>
+              <a:t>Split Hopkinson Pressure Bar – Design, Manufacturing, Testing, Experimentation and Documentation</a:t>
             </a:r>
           </a:p>
         </p:txBody>
@@ -6977,7 +6977,7 @@
         </p:nvGrpSpPr>
         <p:grpSpPr>
           <a:xfrm>
-            <a:off x="569413" y="6479376"/>
+            <a:off x="559727" y="6664428"/>
             <a:ext cx="4145800" cy="253916"/>
             <a:chOff x="1210648" y="2423942"/>
             <a:chExt cx="4145800" cy="253916"/>
@@ -7079,7 +7079,7 @@
         </p:nvSpPr>
         <p:spPr>
           <a:xfrm>
-            <a:off x="267682" y="7172917"/>
+            <a:off x="257995" y="7425779"/>
             <a:ext cx="6127796" cy="2031325"/>
           </a:xfrm>
           <a:prstGeom prst="rect">
@@ -7199,7 +7199,7 @@
         </p:nvSpPr>
         <p:spPr>
           <a:xfrm>
-            <a:off x="411782" y="6704794"/>
+            <a:off x="390804" y="6917581"/>
             <a:ext cx="5381826" cy="246221"/>
           </a:xfrm>
           <a:prstGeom prst="rect">
@@ -7249,7 +7249,7 @@
         </p:nvGrpSpPr>
         <p:grpSpPr>
           <a:xfrm>
-            <a:off x="649152" y="6901941"/>
+            <a:off x="559727" y="7159370"/>
             <a:ext cx="2262697" cy="253916"/>
             <a:chOff x="6517849" y="3595973"/>
             <a:chExt cx="2262697" cy="253916"/>
